--- a/Whiteboard design session/WDS trainer presentation - Linux lift and shift.pptx
+++ b/Whiteboard design session/WDS trainer presentation - Linux lift and shift.pptx
@@ -240,7 +240,7 @@
           <a:p>
             <a:fld id="{52A13B17-C506-4D51-BB37-16B365906619}" type="datetimeFigureOut">
               <a:rPr lang="en-US" smtClean="0"/>
-              <a:t>4/4/2018</a:t>
+              <a:t>7/11/2018</a:t>
             </a:fld>
             <a:endParaRPr lang="en-US"/>
           </a:p>
@@ -3622,7 +3622,7 @@
                   <a:prstClr val="black"/>
                 </a:solidFill>
               </a:rPr>
-              <a:t>4/4/2018 12:47 PM</a:t>
+              <a:t>7/11/2018 12:40 PM</a:t>
             </a:fld>
             <a:endParaRPr lang="en-US" dirty="0">
               <a:solidFill>
@@ -16361,7 +16361,7 @@
                   <a:lin ang="5400000" scaled="0"/>
                 </a:gradFill>
               </a:rPr>
-              <a:t>Migrate their existing support application to Microsoft Azure with minimal changes and minimal disruption to their service.</a:t>
+              <a:t>Migrate their existing support application to Microsoft Azure with minimal changes and minimal disruption to their service</a:t>
             </a:r>
           </a:p>
           <a:p>
@@ -16414,7 +16414,7 @@
                   <a:lin ang="5400000" scaled="0"/>
                 </a:gradFill>
               </a:rPr>
-              <a:t>Ensure that the Linux instances deployed in Azure are configured for high availability, cost optimization, performance and best practices.</a:t>
+              <a:t>Ensure that the Linux instances deployed in Azure are configured for high availability, cost optimization, performance and best practices</a:t>
             </a:r>
           </a:p>
           <a:p>
@@ -16467,7 +16467,7 @@
                   <a:lin ang="5400000" scaled="0"/>
                 </a:gradFill>
               </a:rPr>
-              <a:t>Establish connectivity between their on-premises environment and the virtual network where the support application is deployed.</a:t>
+              <a:t>Establish connectivity between their on-premises environment and the virtual network where the support application is deployed</a:t>
             </a:r>
           </a:p>
         </p:txBody>
@@ -16782,7 +16782,7 @@
                   <a:lin ang="5400000" scaled="0"/>
                 </a:gradFill>
               </a:rPr>
-              <a:t>Configure monitoring for the support application to ensure that if an issue comes up that the support team is alerted and a maintenance script is executed to mitigate known issues.</a:t>
+              <a:t>Configure monitoring for the support application to ensure that if an issue comes up that the support team is alerted and a maintenance script is executed to mitigate known issues</a:t>
             </a:r>
           </a:p>
           <a:p>
@@ -16835,7 +16835,7 @@
                   <a:lin ang="5400000" scaled="0"/>
                 </a:gradFill>
               </a:rPr>
-              <a:t>Ensure that only administrators of the support application will have access to the new infrastructure.</a:t>
+              <a:t>Ensure that only administrators of the support application will have access to the new infrastructure</a:t>
             </a:r>
           </a:p>
           <a:p>
@@ -17347,7 +17347,7 @@
                   <a:lin ang="5400000" scaled="0"/>
                 </a:gradFill>
               </a:rPr>
-              <a:t>There should be no single point of failure in the system once it is in the cloud.</a:t>
+              <a:t>There should be no single point of failure in the system once it is in the cloud</a:t>
             </a:r>
           </a:p>
         </p:txBody>
@@ -18325,7 +18325,7 @@
       </p:sp>
       <p:pic>
         <p:nvPicPr>
-          <p:cNvPr id="6" name="Picture 5" descr="The Azure App Service diagram begins wtih the internet, which points to both Azure Active Directory and App Service app, using Authentication. A Resource group encompasses an App Service Plan and an Azure SQL Database. The App Service Plan is made up of multiple App Service apps, and the Azure SQL Database encompasses A logical SQL server, and two SQL databases." title="Azure App Service diagram">
+          <p:cNvPr id="6" name="Picture 5" descr="Azure App Service diagram&#10;&#10;The Azure App Service diagram begins with the internet, which points to both Azure Active Directory and App Service app, using Authentication. A Resource group encompasses an App Service Plan and an Azure SQL Database. The App Service Plan is made up of multiple App Service apps, and the Azure SQL Database encompasses A logical SQL server, and two SQL databases.">
             <a:extLst>
               <a:ext uri="{FF2B5EF4-FFF2-40B4-BE49-F238E27FC236}">
                 <a16:creationId xmlns:a16="http://schemas.microsoft.com/office/drawing/2014/main" id="{34F5E364-2FA7-4B3C-9B52-298B0BA22C2B}"/>
@@ -18715,7 +18715,7 @@
         <p:spPr>
           <a:xfrm>
             <a:off x="291012" y="1403789"/>
-            <a:ext cx="10652686" cy="2930033"/>
+            <a:ext cx="10850600" cy="2930033"/>
           </a:xfrm>
           <a:prstGeom prst="rect">
             <a:avLst/>
@@ -19322,7 +19322,7 @@
                 <a:latin typeface="Segoe UI Semilight" panose="020B0402040204020203" pitchFamily="34" charset="0"/>
                 <a:cs typeface="Segoe UI Semilight" panose="020B0402040204020203" pitchFamily="34" charset="0"/>
               </a:rPr>
-              <a:t>Present a solution to the target customer in a 15-minute chalk-talk format </a:t>
+              <a:t>Present a solution to the target customer in a 15-minute chalk-talk format .</a:t>
             </a:r>
             <a:endParaRPr lang="en-US" sz="3600" dirty="0">
               <a:latin typeface="+mj-lt"/>
@@ -19809,13 +19809,15 @@
             </a:r>
           </a:p>
           <a:p>
-            <a:pPr>
+            <a:pPr marL="342900" indent="-342900">
               <a:lnSpc>
                 <a:spcPct val="90000"/>
               </a:lnSpc>
               <a:spcAft>
                 <a:spcPts val="600"/>
               </a:spcAft>
+              <a:buFont typeface="Arial" panose="020B0604020202020204" pitchFamily="34" charset="0"/>
+              <a:buChar char="•"/>
             </a:pPr>
             <a:r>
               <a:rPr lang="en-US" sz="2400" dirty="0">
@@ -19826,13 +19828,15 @@
             </a:r>
           </a:p>
           <a:p>
-            <a:pPr>
+            <a:pPr marL="342900" indent="-342900">
               <a:lnSpc>
                 <a:spcPct val="90000"/>
               </a:lnSpc>
               <a:spcAft>
                 <a:spcPts val="600"/>
               </a:spcAft>
+              <a:buFont typeface="Arial" panose="020B0604020202020204" pitchFamily="34" charset="0"/>
+              <a:buChar char="•"/>
             </a:pPr>
             <a:r>
               <a:rPr lang="en-US" sz="2400" dirty="0">
@@ -25662,7 +25666,7 @@
                   <a:lin ang="5400000" scaled="0"/>
                 </a:gradFill>
               </a:rPr>
-              <a:t>There should be no single point of failure in the system once it is in the cloud.</a:t>
+              <a:t>There should be no single point of failure in the system once it is in the cloud</a:t>
             </a:r>
           </a:p>
           <a:p>
@@ -30709,12 +30713,12 @@
 </file>
 
 <file path=customXml/item1.xml><?xml version="1.0" encoding="utf-8"?>
-<?mso-contentType ?>
-<FormTemplates xmlns="http://schemas.microsoft.com/sharepoint/v3/contenttype/forms">
-  <Display>DocumentLibraryForm</Display>
-  <Edit>DocumentLibraryForm</Edit>
-  <New>DocumentLibraryForm</New>
-</FormTemplates>
+<p:properties xmlns:p="http://schemas.microsoft.com/office/2006/metadata/properties" xmlns:xsi="http://www.w3.org/2001/XMLSchema-instance" xmlns:pc="http://schemas.microsoft.com/office/infopath/2007/PartnerControls">
+  <documentManagement>
+    <_ip_UnifiedCompliancePolicyUIAction xmlns="http://schemas.microsoft.com/sharepoint/v3" xsi:nil="true"/>
+    <_ip_UnifiedCompliancePolicyProperties xmlns="http://schemas.microsoft.com/sharepoint/v3" xsi:nil="true"/>
+  </documentManagement>
+</p:properties>
 </file>
 
 <file path=customXml/item2.xml><?xml version="1.0" encoding="utf-8"?>
@@ -30920,18 +30924,28 @@
 </file>
 
 <file path=customXml/item3.xml><?xml version="1.0" encoding="utf-8"?>
-<p:properties xmlns:p="http://schemas.microsoft.com/office/2006/metadata/properties" xmlns:xsi="http://www.w3.org/2001/XMLSchema-instance" xmlns:pc="http://schemas.microsoft.com/office/infopath/2007/PartnerControls">
-  <documentManagement>
-    <_ip_UnifiedCompliancePolicyUIAction xmlns="http://schemas.microsoft.com/sharepoint/v3" xsi:nil="true"/>
-    <_ip_UnifiedCompliancePolicyProperties xmlns="http://schemas.microsoft.com/sharepoint/v3" xsi:nil="true"/>
-  </documentManagement>
-</p:properties>
+<?mso-contentType ?>
+<FormTemplates xmlns="http://schemas.microsoft.com/sharepoint/v3/contenttype/forms">
+  <Display>DocumentLibraryForm</Display>
+  <Edit>DocumentLibraryForm</Edit>
+  <New>DocumentLibraryForm</New>
+</FormTemplates>
 </file>
 
 <file path=customXml/itemProps1.xml><?xml version="1.0" encoding="utf-8"?>
-<ds:datastoreItem xmlns:ds="http://schemas.openxmlformats.org/officeDocument/2006/customXml" ds:itemID="{52046D9B-FB9B-4B5D-BA08-9FBF7274F384}">
+<ds:datastoreItem xmlns:ds="http://schemas.openxmlformats.org/officeDocument/2006/customXml" ds:itemID="{4AFB1F58-9ABB-4F18-89E6-A7B7284548E0}">
   <ds:schemaRefs>
-    <ds:schemaRef ds:uri="http://schemas.microsoft.com/sharepoint/v3/contenttype/forms"/>
+    <ds:schemaRef ds:uri="2023ac63-7b75-4916-a9ee-591457758eee"/>
+    <ds:schemaRef ds:uri="http://schemas.microsoft.com/office/2006/documentManagement/types"/>
+    <ds:schemaRef ds:uri="http://purl.org/dc/terms/"/>
+    <ds:schemaRef ds:uri="http://schemas.microsoft.com/sharepoint/v3"/>
+    <ds:schemaRef ds:uri="http://purl.org/dc/dcmitype/"/>
+    <ds:schemaRef ds:uri="http://schemas.openxmlformats.org/package/2006/metadata/core-properties"/>
+    <ds:schemaRef ds:uri="http://purl.org/dc/elements/1.1/"/>
+    <ds:schemaRef ds:uri="http://schemas.microsoft.com/office/2006/metadata/properties"/>
+    <ds:schemaRef ds:uri="http://schemas.microsoft.com/office/infopath/2007/PartnerControls"/>
+    <ds:schemaRef ds:uri="d9c797ad-d7c3-4982-82b7-81352a75e4a5"/>
+    <ds:schemaRef ds:uri="http://www.w3.org/XML/1998/namespace"/>
   </ds:schemaRefs>
 </ds:datastoreItem>
 </file>
@@ -30957,19 +30971,9 @@
 </file>
 
 <file path=customXml/itemProps3.xml><?xml version="1.0" encoding="utf-8"?>
-<ds:datastoreItem xmlns:ds="http://schemas.openxmlformats.org/officeDocument/2006/customXml" ds:itemID="{4AFB1F58-9ABB-4F18-89E6-A7B7284548E0}">
+<ds:datastoreItem xmlns:ds="http://schemas.openxmlformats.org/officeDocument/2006/customXml" ds:itemID="{52046D9B-FB9B-4B5D-BA08-9FBF7274F384}">
   <ds:schemaRefs>
-    <ds:schemaRef ds:uri="2023ac63-7b75-4916-a9ee-591457758eee"/>
-    <ds:schemaRef ds:uri="http://schemas.microsoft.com/office/2006/documentManagement/types"/>
-    <ds:schemaRef ds:uri="http://purl.org/dc/terms/"/>
-    <ds:schemaRef ds:uri="http://schemas.microsoft.com/sharepoint/v3"/>
-    <ds:schemaRef ds:uri="http://purl.org/dc/dcmitype/"/>
-    <ds:schemaRef ds:uri="http://schemas.openxmlformats.org/package/2006/metadata/core-properties"/>
-    <ds:schemaRef ds:uri="http://purl.org/dc/elements/1.1/"/>
-    <ds:schemaRef ds:uri="http://schemas.microsoft.com/office/2006/metadata/properties"/>
-    <ds:schemaRef ds:uri="http://schemas.microsoft.com/office/infopath/2007/PartnerControls"/>
-    <ds:schemaRef ds:uri="d9c797ad-d7c3-4982-82b7-81352a75e4a5"/>
-    <ds:schemaRef ds:uri="http://www.w3.org/XML/1998/namespace"/>
+    <ds:schemaRef ds:uri="http://schemas.microsoft.com/sharepoint/v3/contenttype/forms"/>
   </ds:schemaRefs>
 </ds:datastoreItem>
 </file>
--- a/Whiteboard design session/WDS trainer presentation - Linux lift and shift.pptx
+++ b/Whiteboard design session/WDS trainer presentation - Linux lift and shift.pptx
@@ -3622,7 +3622,7 @@
                   <a:prstClr val="black"/>
                 </a:solidFill>
               </a:rPr>
-              <a:t>7/11/2018 12:40 PM</a:t>
+              <a:t>7/11/2018 12:48 PM</a:t>
             </a:fld>
             <a:endParaRPr lang="en-US" dirty="0">
               <a:solidFill>
@@ -20855,15 +20855,7 @@
             <a:pPr lvl="1"/>
             <a:r>
               <a:rPr lang="en-US" sz="2800" dirty="0"/>
-              <a:t>VM Scale sets configured for autos-</a:t>
-            </a:r>
-            <a:r>
-              <a:rPr lang="en-US" sz="2800" dirty="0" err="1"/>
-              <a:t>cale</a:t>
-            </a:r>
-            <a:r>
-              <a:rPr lang="en-US" sz="2800" dirty="0"/>
-              <a:t> providing elastic scale out/in and fault tolerance</a:t>
+              <a:t>VM Scale sets configured for auto-scale providing elastic scale out/in and fault tolerance</a:t>
             </a:r>
           </a:p>
           <a:p>
@@ -29342,7 +29334,7 @@
                   <a:lin ang="5400000" scaled="0"/>
                 </a:gradFill>
               </a:rPr>
-              <a:t>FGMO team stated that during busy periods the server can get overloaded. </a:t>
+              <a:t>FGMO team stated that during busy periods the server can get overloaded</a:t>
             </a:r>
           </a:p>
           <a:p>
@@ -29400,22 +29392,19 @@
               </a:rPr>
               <a:t>Customers and partners access the system via the Internet while FGMO support teams access the application from the internal network</a:t>
             </a:r>
-            <a:r>
-              <a:rPr lang="en-US" sz="2000" dirty="0">
-                <a:gradFill>
-                  <a:gsLst>
-                    <a:gs pos="2917">
-                      <a:schemeClr val="tx1"/>
-                    </a:gs>
-                    <a:gs pos="30000">
-                      <a:schemeClr val="tx1"/>
-                    </a:gs>
-                  </a:gsLst>
-                  <a:lin ang="5400000" scaled="0"/>
-                </a:gradFill>
-              </a:rPr>
-              <a:t>.</a:t>
-            </a:r>
+            <a:endParaRPr lang="en-US" sz="2000" dirty="0">
+              <a:gradFill>
+                <a:gsLst>
+                  <a:gs pos="2917">
+                    <a:schemeClr val="tx1"/>
+                  </a:gs>
+                  <a:gs pos="30000">
+                    <a:schemeClr val="tx1"/>
+                  </a:gs>
+                </a:gsLst>
+                <a:lin ang="5400000" scaled="0"/>
+              </a:gradFill>
+            </a:endParaRPr>
           </a:p>
         </p:txBody>
       </p:sp>
@@ -30713,15 +30702,6 @@
 </file>
 
 <file path=customXml/item1.xml><?xml version="1.0" encoding="utf-8"?>
-<p:properties xmlns:p="http://schemas.microsoft.com/office/2006/metadata/properties" xmlns:xsi="http://www.w3.org/2001/XMLSchema-instance" xmlns:pc="http://schemas.microsoft.com/office/infopath/2007/PartnerControls">
-  <documentManagement>
-    <_ip_UnifiedCompliancePolicyUIAction xmlns="http://schemas.microsoft.com/sharepoint/v3" xsi:nil="true"/>
-    <_ip_UnifiedCompliancePolicyProperties xmlns="http://schemas.microsoft.com/sharepoint/v3" xsi:nil="true"/>
-  </documentManagement>
-</p:properties>
-</file>
-
-<file path=customXml/item2.xml><?xml version="1.0" encoding="utf-8"?>
 <ct:contentTypeSchema xmlns:ct="http://schemas.microsoft.com/office/2006/metadata/contentType" xmlns:ma="http://schemas.microsoft.com/office/2006/metadata/properties/metaAttributes" ct:_="" ma:_="" ma:contentTypeName="Document" ma:contentTypeID="0x010100D15DFA3690A15B4081582BBCC6BEAC3E" ma:contentTypeVersion="9" ma:contentTypeDescription="Create a new document." ma:contentTypeScope="" ma:versionID="642da1784587cbe85a7fdbbe4dc36103">
   <xsd:schema xmlns:xsd="http://www.w3.org/2001/XMLSchema" xmlns:xs="http://www.w3.org/2001/XMLSchema" xmlns:p="http://schemas.microsoft.com/office/2006/metadata/properties" xmlns:ns1="http://schemas.microsoft.com/sharepoint/v3" xmlns:ns2="2023ac63-7b75-4916-a9ee-591457758eee" xmlns:ns3="d9c797ad-d7c3-4982-82b7-81352a75e4a5" targetNamespace="http://schemas.microsoft.com/office/2006/metadata/properties" ma:root="true" ma:fieldsID="91198b0246576053cc55dd2c67035a89" ns1:_="" ns2:_="" ns3:_="">
     <xsd:import namespace="http://schemas.microsoft.com/sharepoint/v3"/>
@@ -30923,6 +30903,15 @@
 </ct:contentTypeSchema>
 </file>
 
+<file path=customXml/item2.xml><?xml version="1.0" encoding="utf-8"?>
+<p:properties xmlns:p="http://schemas.microsoft.com/office/2006/metadata/properties" xmlns:xsi="http://www.w3.org/2001/XMLSchema-instance" xmlns:pc="http://schemas.microsoft.com/office/infopath/2007/PartnerControls">
+  <documentManagement>
+    <_ip_UnifiedCompliancePolicyUIAction xmlns="http://schemas.microsoft.com/sharepoint/v3" xsi:nil="true"/>
+    <_ip_UnifiedCompliancePolicyProperties xmlns="http://schemas.microsoft.com/sharepoint/v3" xsi:nil="true"/>
+  </documentManagement>
+</p:properties>
+</file>
+
 <file path=customXml/item3.xml><?xml version="1.0" encoding="utf-8"?>
 <?mso-contentType ?>
 <FormTemplates xmlns="http://schemas.microsoft.com/sharepoint/v3/contenttype/forms">
@@ -30933,24 +30922,6 @@
 </file>
 
 <file path=customXml/itemProps1.xml><?xml version="1.0" encoding="utf-8"?>
-<ds:datastoreItem xmlns:ds="http://schemas.openxmlformats.org/officeDocument/2006/customXml" ds:itemID="{4AFB1F58-9ABB-4F18-89E6-A7B7284548E0}">
-  <ds:schemaRefs>
-    <ds:schemaRef ds:uri="2023ac63-7b75-4916-a9ee-591457758eee"/>
-    <ds:schemaRef ds:uri="http://schemas.microsoft.com/office/2006/documentManagement/types"/>
-    <ds:schemaRef ds:uri="http://purl.org/dc/terms/"/>
-    <ds:schemaRef ds:uri="http://schemas.microsoft.com/sharepoint/v3"/>
-    <ds:schemaRef ds:uri="http://purl.org/dc/dcmitype/"/>
-    <ds:schemaRef ds:uri="http://schemas.openxmlformats.org/package/2006/metadata/core-properties"/>
-    <ds:schemaRef ds:uri="http://purl.org/dc/elements/1.1/"/>
-    <ds:schemaRef ds:uri="http://schemas.microsoft.com/office/2006/metadata/properties"/>
-    <ds:schemaRef ds:uri="http://schemas.microsoft.com/office/infopath/2007/PartnerControls"/>
-    <ds:schemaRef ds:uri="d9c797ad-d7c3-4982-82b7-81352a75e4a5"/>
-    <ds:schemaRef ds:uri="http://www.w3.org/XML/1998/namespace"/>
-  </ds:schemaRefs>
-</ds:datastoreItem>
-</file>
-
-<file path=customXml/itemProps2.xml><?xml version="1.0" encoding="utf-8"?>
 <ds:datastoreItem xmlns:ds="http://schemas.openxmlformats.org/officeDocument/2006/customXml" ds:itemID="{9FADF474-70C1-418D-93B7-DAC88FF214F9}">
   <ds:schemaRefs>
     <ds:schemaRef ds:uri="http://schemas.microsoft.com/office/2006/metadata/contentType"/>
@@ -30970,6 +30941,24 @@
 </ds:datastoreItem>
 </file>
 
+<file path=customXml/itemProps2.xml><?xml version="1.0" encoding="utf-8"?>
+<ds:datastoreItem xmlns:ds="http://schemas.openxmlformats.org/officeDocument/2006/customXml" ds:itemID="{4AFB1F58-9ABB-4F18-89E6-A7B7284548E0}">
+  <ds:schemaRefs>
+    <ds:schemaRef ds:uri="http://schemas.microsoft.com/office/2006/documentManagement/types"/>
+    <ds:schemaRef ds:uri="2023ac63-7b75-4916-a9ee-591457758eee"/>
+    <ds:schemaRef ds:uri="http://purl.org/dc/elements/1.1/"/>
+    <ds:schemaRef ds:uri="http://schemas.microsoft.com/office/2006/metadata/properties"/>
+    <ds:schemaRef ds:uri="http://schemas.microsoft.com/sharepoint/v3"/>
+    <ds:schemaRef ds:uri="http://purl.org/dc/terms/"/>
+    <ds:schemaRef ds:uri="http://schemas.openxmlformats.org/package/2006/metadata/core-properties"/>
+    <ds:schemaRef ds:uri="http://schemas.microsoft.com/office/infopath/2007/PartnerControls"/>
+    <ds:schemaRef ds:uri="d9c797ad-d7c3-4982-82b7-81352a75e4a5"/>
+    <ds:schemaRef ds:uri="http://www.w3.org/XML/1998/namespace"/>
+    <ds:schemaRef ds:uri="http://purl.org/dc/dcmitype/"/>
+  </ds:schemaRefs>
+</ds:datastoreItem>
+</file>
+
 <file path=customXml/itemProps3.xml><?xml version="1.0" encoding="utf-8"?>
 <ds:datastoreItem xmlns:ds="http://schemas.openxmlformats.org/officeDocument/2006/customXml" ds:itemID="{52046D9B-FB9B-4B5D-BA08-9FBF7274F384}">
   <ds:schemaRefs>
